--- a/presentations/Session_1_Getting_Started_With_Microservices.pptx
+++ b/presentations/Session_1_Getting_Started_With_Microservices.pptx
@@ -5026,7 +5026,7 @@
               <a:buChar char="•"/>
             </a:pPr>
             <a:r>
-              <a:rPr lang="en-US" sz="1200" b="0" i="0" u="none" strike="noStrike" cap="none">
+              <a:rPr lang="en-US" sz="1200" b="0" i="0" u="none" strike="noStrike" cap="none" dirty="0">
                 <a:solidFill>
                   <a:schemeClr val="dk1"/>
                 </a:solidFill>
@@ -5037,7 +5037,7 @@
               </a:rPr>
               <a:t>Forces</a:t>
             </a:r>
-            <a:endParaRPr/>
+            <a:endParaRPr dirty="0"/>
           </a:p>
           <a:p>
             <a:pPr marL="914400" marR="0" lvl="1" indent="-457200" algn="l" rtl="0">
@@ -5058,7 +5058,7 @@
               <a:buChar char="•"/>
             </a:pPr>
             <a:r>
-              <a:rPr lang="en-US" sz="1200" b="0" i="0" u="none" strike="noStrike" cap="none">
+              <a:rPr lang="en-US" sz="1200" b="0" i="0" u="none" strike="noStrike" cap="none" dirty="0">
                 <a:solidFill>
                   <a:schemeClr val="accent6"/>
                 </a:solidFill>
@@ -5069,7 +5069,7 @@
               </a:rPr>
               <a:t>Team of developers working on a project</a:t>
             </a:r>
-            <a:endParaRPr/>
+            <a:endParaRPr dirty="0"/>
           </a:p>
           <a:p>
             <a:pPr marL="914400" marR="0" lvl="1" indent="-457200" algn="l" rtl="0">
@@ -5090,7 +5090,7 @@
               <a:buChar char="•"/>
             </a:pPr>
             <a:r>
-              <a:rPr lang="en-US" sz="1200" b="0" i="0" u="none" strike="noStrike" cap="none">
+              <a:rPr lang="en-US" sz="1200" b="0" i="0" u="none" strike="noStrike" cap="none" dirty="0">
                 <a:solidFill>
                   <a:schemeClr val="accent6"/>
                 </a:solidFill>
@@ -5101,7 +5101,7 @@
               </a:rPr>
               <a:t>New team members must be productive</a:t>
             </a:r>
-            <a:endParaRPr/>
+            <a:endParaRPr dirty="0"/>
           </a:p>
           <a:p>
             <a:pPr marL="914400" marR="0" lvl="1" indent="-457200" algn="l" rtl="0">
@@ -5122,7 +5122,7 @@
               <a:buChar char="•"/>
             </a:pPr>
             <a:r>
-              <a:rPr lang="en-US" sz="1200" b="0" i="0" u="none" strike="noStrike" cap="none">
+              <a:rPr lang="en-US" sz="1200" b="0" i="0" u="none" strike="noStrike" cap="none" dirty="0">
                 <a:solidFill>
                   <a:schemeClr val="accent6"/>
                 </a:solidFill>
@@ -5133,7 +5133,7 @@
               </a:rPr>
               <a:t>Application must be easy to understand and modify</a:t>
             </a:r>
-            <a:endParaRPr/>
+            <a:endParaRPr dirty="0"/>
           </a:p>
           <a:p>
             <a:pPr marL="914400" marR="0" lvl="1" indent="-457200" algn="l" rtl="0">
@@ -5154,7 +5154,7 @@
               <a:buChar char="•"/>
             </a:pPr>
             <a:r>
-              <a:rPr lang="en-US" sz="1200" b="0" i="0" u="none" strike="noStrike" cap="none">
+              <a:rPr lang="en-US" sz="1200" b="0" i="0" u="none" strike="noStrike" cap="none" dirty="0">
                 <a:solidFill>
                   <a:schemeClr val="accent6"/>
                 </a:solidFill>
@@ -5165,7 +5165,7 @@
               </a:rPr>
               <a:t>Scale up - scalability, availability and resiliency</a:t>
             </a:r>
-            <a:endParaRPr sz="1200" b="0" i="0" u="none" strike="noStrike" cap="none">
+            <a:endParaRPr sz="1200" b="0" i="0" u="none" strike="noStrike" cap="none" dirty="0">
               <a:solidFill>
                 <a:schemeClr val="dk1"/>
               </a:solidFill>
@@ -5191,7 +5191,7 @@
               <a:buChar char="•"/>
             </a:pPr>
             <a:r>
-              <a:rPr lang="en-US" sz="1200" b="0" i="0" u="none" strike="noStrike" cap="none">
+              <a:rPr lang="en-US" sz="1200" b="0" i="0" u="none" strike="noStrike" cap="none" dirty="0">
                 <a:solidFill>
                   <a:schemeClr val="dk1"/>
                 </a:solidFill>
@@ -5202,7 +5202,7 @@
               </a:rPr>
               <a:t>Solution</a:t>
             </a:r>
-            <a:endParaRPr/>
+            <a:endParaRPr dirty="0"/>
           </a:p>
           <a:p>
             <a:pPr marL="628650" marR="0" lvl="1" indent="-171450" algn="l" rtl="0">
@@ -5223,7 +5223,7 @@
               <a:buChar char="•"/>
             </a:pPr>
             <a:r>
-              <a:rPr lang="en-US" sz="1200" b="0" i="0" u="none" strike="noStrike" cap="none">
+              <a:rPr lang="en-US" sz="1200" b="0" i="0" u="none" strike="noStrike" cap="none" dirty="0">
                 <a:solidFill>
                   <a:schemeClr val="accent6"/>
                 </a:solidFill>
@@ -5234,7 +5234,7 @@
               </a:rPr>
               <a:t>Multi-module packaged in single WAR or even EAR</a:t>
             </a:r>
-            <a:endParaRPr/>
+            <a:endParaRPr dirty="0"/>
           </a:p>
           <a:p>
             <a:pPr marL="628650" marR="0" lvl="1" indent="-171450" algn="l" rtl="0">
@@ -5255,7 +5255,7 @@
               <a:buChar char="•"/>
             </a:pPr>
             <a:r>
-              <a:rPr lang="en-US" sz="1200" b="0" i="0" u="none" strike="noStrike" cap="none">
+              <a:rPr lang="en-US" sz="1200" b="0" i="0" u="none" strike="noStrike" cap="none" dirty="0">
                 <a:solidFill>
                   <a:schemeClr val="accent6"/>
                 </a:solidFill>
@@ -5266,7 +5266,7 @@
               </a:rPr>
               <a:t>Single directory hierarchy</a:t>
             </a:r>
-            <a:endParaRPr/>
+            <a:endParaRPr dirty="0"/>
           </a:p>
           <a:p>
             <a:pPr marL="628650" marR="0" lvl="1" indent="-171450" algn="l" rtl="0">
@@ -5287,7 +5287,7 @@
               <a:buChar char="•"/>
             </a:pPr>
             <a:r>
-              <a:rPr lang="en-US" sz="1200" b="0" i="0" u="none" strike="noStrike" cap="none">
+              <a:rPr lang="en-US" sz="1200" b="0" i="0" u="none" strike="noStrike" cap="none" dirty="0">
                 <a:solidFill>
                   <a:schemeClr val="accent6"/>
                 </a:solidFill>
@@ -5298,7 +5298,7 @@
               </a:rPr>
               <a:t>N-Tier Architecture</a:t>
             </a:r>
-            <a:endParaRPr/>
+            <a:endParaRPr dirty="0"/>
           </a:p>
           <a:p>
             <a:pPr marL="628650" marR="0" lvl="1" indent="-171450" algn="l" rtl="0">
@@ -5319,7 +5319,7 @@
               <a:buChar char="•"/>
             </a:pPr>
             <a:r>
-              <a:rPr lang="en-US" sz="1200" b="0" i="0" u="none" strike="noStrike" cap="none">
+              <a:rPr lang="en-US" sz="1200" b="0" i="0" u="none" strike="noStrike" cap="none" dirty="0">
                 <a:solidFill>
                   <a:schemeClr val="accent6"/>
                 </a:solidFill>
@@ -5330,7 +5330,7 @@
               </a:rPr>
               <a:t>Layered Architecture</a:t>
             </a:r>
-            <a:endParaRPr sz="1200" b="0" i="0" u="none" strike="noStrike" cap="none">
+            <a:endParaRPr sz="1200" b="0" i="0" u="none" strike="noStrike" cap="none" dirty="0">
               <a:solidFill>
                 <a:schemeClr val="dk1"/>
               </a:solidFill>
@@ -5356,7 +5356,7 @@
               <a:buChar char="•"/>
             </a:pPr>
             <a:r>
-              <a:rPr lang="en-US" sz="1200" b="0" i="0" u="none" strike="noStrike" cap="none">
+              <a:rPr lang="en-US" sz="1200" b="0" i="0" u="none" strike="noStrike" cap="none" dirty="0" smtClean="0">
                 <a:solidFill>
                   <a:schemeClr val="dk1"/>
                 </a:solidFill>
@@ -5365,9 +5365,49 @@
                 <a:cs typeface="Calibri"/>
                 <a:sym typeface="Calibri"/>
               </a:rPr>
-              <a:t>Resulting context</a:t>
+              <a:t>Results</a:t>
             </a:r>
-            <a:endParaRPr/>
+          </a:p>
+          <a:p>
+            <a:pPr marL="628650" marR="0" lvl="1" indent="-171450" algn="l" rtl="0">
+              <a:spcBef>
+                <a:spcPts val="0"/>
+              </a:spcBef>
+              <a:spcAft>
+                <a:spcPts val="0"/>
+              </a:spcAft>
+              <a:buClr>
+                <a:schemeClr val="dk1"/>
+              </a:buClr>
+              <a:buSzPts val="1200"/>
+              <a:buFont typeface="Arial"/>
+              <a:buChar char="•"/>
+            </a:pPr>
+            <a:r>
+              <a:rPr lang="en-US" sz="1200" b="0" i="0" u="none" strike="noStrike" cap="none" dirty="0" smtClean="0">
+                <a:solidFill>
+                  <a:schemeClr val="accent6"/>
+                </a:solidFill>
+                <a:latin typeface="Calibri"/>
+                <a:ea typeface="Calibri"/>
+                <a:cs typeface="Calibri"/>
+                <a:sym typeface="Calibri"/>
+              </a:rPr>
+              <a:t>Complexity </a:t>
+            </a:r>
+            <a:r>
+              <a:rPr lang="en-US" sz="1200" b="0" i="0" u="none" strike="noStrike" cap="none" dirty="0">
+                <a:solidFill>
+                  <a:schemeClr val="accent6"/>
+                </a:solidFill>
+                <a:latin typeface="Calibri"/>
+                <a:ea typeface="Calibri"/>
+                <a:cs typeface="Calibri"/>
+                <a:sym typeface="Calibri"/>
+              </a:rPr>
+              <a:t>becomes the enemy</a:t>
+            </a:r>
+            <a:endParaRPr dirty="0"/>
           </a:p>
           <a:p>
             <a:pPr marL="628650" marR="0" lvl="1" indent="-171450" algn="l" rtl="0">
@@ -5388,7 +5428,7 @@
               <a:buChar char="•"/>
             </a:pPr>
             <a:r>
-              <a:rPr lang="en-US" sz="1200" b="0" i="0" u="none" strike="noStrike" cap="none">
+              <a:rPr lang="en-US" sz="1200" b="0" i="0" u="none" strike="noStrike" cap="none" dirty="0">
                 <a:solidFill>
                   <a:schemeClr val="accent6"/>
                 </a:solidFill>
@@ -5397,9 +5437,9 @@
                 <a:cs typeface="Calibri"/>
                 <a:sym typeface="Calibri"/>
               </a:rPr>
-              <a:t>Complexity becomes the enemy</a:t>
+              <a:t>Overloaded web container</a:t>
             </a:r>
-            <a:endParaRPr/>
+            <a:endParaRPr dirty="0"/>
           </a:p>
           <a:p>
             <a:pPr marL="628650" marR="0" lvl="1" indent="-171450" algn="l" rtl="0">
@@ -5420,7 +5460,7 @@
               <a:buChar char="•"/>
             </a:pPr>
             <a:r>
-              <a:rPr lang="en-US" sz="1200" b="0" i="0" u="none" strike="noStrike" cap="none">
+              <a:rPr lang="en-US" sz="1200" b="0" i="0" u="none" strike="noStrike" cap="none" dirty="0">
                 <a:solidFill>
                   <a:schemeClr val="accent6"/>
                 </a:solidFill>
@@ -5429,9 +5469,9 @@
                 <a:cs typeface="Calibri"/>
                 <a:sym typeface="Calibri"/>
               </a:rPr>
-              <a:t>Overloaded web container</a:t>
+              <a:t>Continuous delivery becomes burdensome</a:t>
             </a:r>
-            <a:endParaRPr/>
+            <a:endParaRPr dirty="0"/>
           </a:p>
           <a:p>
             <a:pPr marL="628650" marR="0" lvl="1" indent="-171450" algn="l" rtl="0">
@@ -5452,7 +5492,7 @@
               <a:buChar char="•"/>
             </a:pPr>
             <a:r>
-              <a:rPr lang="en-US" sz="1200" b="0" i="0" u="none" strike="noStrike" cap="none">
+              <a:rPr lang="en-US" sz="1200" b="0" i="0" u="none" strike="noStrike" cap="none" dirty="0">
                 <a:solidFill>
                   <a:schemeClr val="accent6"/>
                 </a:solidFill>
@@ -5461,9 +5501,9 @@
                 <a:cs typeface="Calibri"/>
                 <a:sym typeface="Calibri"/>
               </a:rPr>
-              <a:t>Continuous delivery becomes burdensome</a:t>
+              <a:t>Scale out</a:t>
             </a:r>
-            <a:endParaRPr/>
+            <a:endParaRPr dirty="0"/>
           </a:p>
           <a:p>
             <a:pPr marL="628650" marR="0" lvl="1" indent="-171450" algn="l" rtl="0">
@@ -5484,7 +5524,7 @@
               <a:buChar char="•"/>
             </a:pPr>
             <a:r>
-              <a:rPr lang="en-US" sz="1200" b="0" i="0" u="none" strike="noStrike" cap="none">
+              <a:rPr lang="en-US" sz="1200" b="0" i="0" u="none" strike="noStrike" cap="none" dirty="0">
                 <a:solidFill>
                   <a:schemeClr val="accent6"/>
                 </a:solidFill>
@@ -5493,9 +5533,9 @@
                 <a:cs typeface="Calibri"/>
                 <a:sym typeface="Calibri"/>
               </a:rPr>
-              <a:t>Scale out</a:t>
+              <a:t>Technical debt</a:t>
             </a:r>
-            <a:endParaRPr/>
+            <a:endParaRPr dirty="0"/>
           </a:p>
           <a:p>
             <a:pPr marL="628650" marR="0" lvl="1" indent="-171450" algn="l" rtl="0">
@@ -5516,39 +5556,7 @@
               <a:buChar char="•"/>
             </a:pPr>
             <a:r>
-              <a:rPr lang="en-US" sz="1200" b="0" i="0" u="none" strike="noStrike" cap="none">
-                <a:solidFill>
-                  <a:schemeClr val="accent6"/>
-                </a:solidFill>
-                <a:latin typeface="Calibri"/>
-                <a:ea typeface="Calibri"/>
-                <a:cs typeface="Calibri"/>
-                <a:sym typeface="Calibri"/>
-              </a:rPr>
-              <a:t>Technical debt</a:t>
-            </a:r>
-            <a:endParaRPr/>
-          </a:p>
-          <a:p>
-            <a:pPr marL="628650" marR="0" lvl="1" indent="-171450" algn="l" rtl="0">
-              <a:lnSpc>
-                <a:spcPct val="150000"/>
-              </a:lnSpc>
-              <a:spcBef>
-                <a:spcPts val="0"/>
-              </a:spcBef>
-              <a:spcAft>
-                <a:spcPts val="0"/>
-              </a:spcAft>
-              <a:buClr>
-                <a:srgbClr val="008774"/>
-              </a:buClr>
-              <a:buSzPts val="1200"/>
-              <a:buFont typeface="Arial"/>
-              <a:buChar char="•"/>
-            </a:pPr>
-            <a:r>
-              <a:rPr lang="en-US" sz="1200" b="0" i="0" u="none" strike="noStrike" cap="none">
+              <a:rPr lang="en-US" sz="1200" b="0" i="0" u="none" strike="noStrike" cap="none" dirty="0">
                 <a:solidFill>
                   <a:schemeClr val="accent6"/>
                 </a:solidFill>
@@ -5559,7 +5567,7 @@
               </a:rPr>
               <a:t>Domain specificity</a:t>
             </a:r>
-            <a:endParaRPr/>
+            <a:endParaRPr dirty="0"/>
           </a:p>
         </p:txBody>
       </p:sp>
@@ -5576,7 +5584,7 @@
         <p:spPr>
           <a:xfrm>
             <a:off x="1606550" y="685800"/>
-            <a:ext cx="3702000" cy="2082900"/>
+            <a:ext cx="3702050" cy="2082800"/>
           </a:xfrm>
           <a:custGeom>
             <a:avLst/>
@@ -16489,6 +16497,13 @@
   <p:clrMapOvr>
     <a:masterClrMapping/>
   </p:clrMapOvr>
+  <p:timing>
+    <p:tnLst>
+      <p:par>
+        <p:cTn xmlns:p14="http://schemas.microsoft.com/office/powerpoint/2010/main" id="1" dur="indefinite" restart="never" nodeType="tmRoot"/>
+      </p:par>
+    </p:tnLst>
+  </p:timing>
 </p:sld>
 </file>
 
@@ -16619,7 +16634,15 @@
               <a:buChar char="•"/>
             </a:pPr>
             <a:r>
-              <a:rPr lang="en-US" sz="2300" b="0" i="0" u="none" strike="noStrike" cap="none">
+              <a:rPr lang="en-US" sz="2300" dirty="0">
+                <a:solidFill>
+                  <a:srgbClr val="FFFFFF"/>
+                </a:solidFill>
+              </a:rPr>
+              <a:t>N</a:t>
+            </a:r>
+            <a:r>
+              <a:rPr lang="en-US" sz="2300" b="0" i="0" u="none" strike="noStrike" cap="none" dirty="0" smtClean="0">
                 <a:solidFill>
                   <a:srgbClr val="FFFFFF"/>
                 </a:solidFill>
@@ -16628,9 +16651,21 @@
                 <a:cs typeface="Arial"/>
                 <a:sym typeface="Arial"/>
               </a:rPr>
-              <a:t>no file based access to resources</a:t>
+              <a:t>o </a:t>
             </a:r>
-            <a:endParaRPr/>
+            <a:r>
+              <a:rPr lang="en-US" sz="2300" b="0" i="0" u="none" strike="noStrike" cap="none" dirty="0">
+                <a:solidFill>
+                  <a:srgbClr val="FFFFFF"/>
+                </a:solidFill>
+                <a:latin typeface="Arial"/>
+                <a:ea typeface="Arial"/>
+                <a:cs typeface="Arial"/>
+                <a:sym typeface="Arial"/>
+              </a:rPr>
+              <a:t>file based access to resources</a:t>
+            </a:r>
+            <a:endParaRPr dirty="0"/>
           </a:p>
           <a:p>
             <a:pPr marL="457200" marR="0" lvl="0" indent="-457200" algn="l" rtl="0">
@@ -16648,7 +16683,15 @@
               <a:buChar char="•"/>
             </a:pPr>
             <a:r>
-              <a:rPr lang="en-US" sz="2300" b="0" i="0" u="none" strike="noStrike" cap="none">
+              <a:rPr lang="en-US" sz="2300" dirty="0">
+                <a:solidFill>
+                  <a:srgbClr val="FFFFFF"/>
+                </a:solidFill>
+              </a:rPr>
+              <a:t>R</a:t>
+            </a:r>
+            <a:r>
+              <a:rPr lang="en-US" sz="2300" b="0" i="0" u="none" strike="noStrike" cap="none" dirty="0" smtClean="0">
                 <a:solidFill>
                   <a:srgbClr val="FFFFFF"/>
                 </a:solidFill>
@@ -16657,9 +16700,21 @@
                 <a:cs typeface="Arial"/>
                 <a:sym typeface="Arial"/>
               </a:rPr>
-              <a:t>run code on demand</a:t>
+              <a:t>un </a:t>
             </a:r>
-            <a:endParaRPr/>
+            <a:r>
+              <a:rPr lang="en-US" sz="2300" b="0" i="0" u="none" strike="noStrike" cap="none" dirty="0">
+                <a:solidFill>
+                  <a:srgbClr val="FFFFFF"/>
+                </a:solidFill>
+                <a:latin typeface="Arial"/>
+                <a:ea typeface="Arial"/>
+                <a:cs typeface="Arial"/>
+                <a:sym typeface="Arial"/>
+              </a:rPr>
+              <a:t>code on demand</a:t>
+            </a:r>
+            <a:endParaRPr dirty="0"/>
           </a:p>
           <a:p>
             <a:pPr marL="457200" marR="0" lvl="0" indent="-457200" algn="l" rtl="0">
@@ -16677,7 +16732,15 @@
               <a:buChar char="•"/>
             </a:pPr>
             <a:r>
-              <a:rPr lang="en-US" sz="2300" b="0" i="0" u="none" strike="noStrike" cap="none">
+              <a:rPr lang="en-US" sz="2300" dirty="0">
+                <a:solidFill>
+                  <a:srgbClr val="FFFFFF"/>
+                </a:solidFill>
+              </a:rPr>
+              <a:t>C</a:t>
+            </a:r>
+            <a:r>
+              <a:rPr lang="en-US" sz="2300" b="0" i="0" u="none" strike="noStrike" cap="none" dirty="0" smtClean="0">
                 <a:solidFill>
                   <a:srgbClr val="FFFFFF"/>
                 </a:solidFill>
@@ -16686,9 +16749,21 @@
                 <a:cs typeface="Arial"/>
                 <a:sym typeface="Arial"/>
               </a:rPr>
-              <a:t>coordinate cross service configurations</a:t>
+              <a:t>oordinate </a:t>
             </a:r>
-            <a:endParaRPr/>
+            <a:r>
+              <a:rPr lang="en-US" sz="2300" b="0" i="0" u="none" strike="noStrike" cap="none" dirty="0">
+                <a:solidFill>
+                  <a:srgbClr val="FFFFFF"/>
+                </a:solidFill>
+                <a:latin typeface="Arial"/>
+                <a:ea typeface="Arial"/>
+                <a:cs typeface="Arial"/>
+                <a:sym typeface="Arial"/>
+              </a:rPr>
+              <a:t>cross service configurations</a:t>
+            </a:r>
+            <a:endParaRPr dirty="0"/>
           </a:p>
           <a:p>
             <a:pPr marL="457200" marR="0" lvl="0" indent="-457200" algn="l" rtl="0">
@@ -16706,7 +16781,15 @@
               <a:buChar char="•"/>
             </a:pPr>
             <a:r>
-              <a:rPr lang="en-US" sz="2300" b="0" i="0" u="none" strike="noStrike" cap="none">
+              <a:rPr lang="en-US" sz="2300" dirty="0">
+                <a:solidFill>
+                  <a:srgbClr val="FFFFFF"/>
+                </a:solidFill>
+              </a:rPr>
+              <a:t>R</a:t>
+            </a:r>
+            <a:r>
+              <a:rPr lang="en-US" sz="2300" b="0" i="0" u="none" strike="noStrike" cap="none" dirty="0" smtClean="0">
                 <a:solidFill>
                   <a:srgbClr val="FFFFFF"/>
                 </a:solidFill>
@@ -16715,9 +16798,21 @@
                 <a:cs typeface="Arial"/>
                 <a:sym typeface="Arial"/>
               </a:rPr>
-              <a:t>route public requests</a:t>
+              <a:t>oute </a:t>
             </a:r>
-            <a:endParaRPr/>
+            <a:r>
+              <a:rPr lang="en-US" sz="2300" b="0" i="0" u="none" strike="noStrike" cap="none" dirty="0">
+                <a:solidFill>
+                  <a:srgbClr val="FFFFFF"/>
+                </a:solidFill>
+                <a:latin typeface="Arial"/>
+                <a:ea typeface="Arial"/>
+                <a:cs typeface="Arial"/>
+                <a:sym typeface="Arial"/>
+              </a:rPr>
+              <a:t>public requests</a:t>
+            </a:r>
+            <a:endParaRPr dirty="0"/>
           </a:p>
           <a:p>
             <a:pPr marL="457200" marR="0" lvl="0" indent="-457200" algn="l" rtl="0">
@@ -16735,7 +16830,15 @@
               <a:buChar char="•"/>
             </a:pPr>
             <a:r>
-              <a:rPr lang="en-US" sz="2300" b="0" i="0" u="none" strike="noStrike" cap="none">
+              <a:rPr lang="en-US" sz="2300" dirty="0">
+                <a:solidFill>
+                  <a:srgbClr val="FFFFFF"/>
+                </a:solidFill>
+              </a:rPr>
+              <a:t>R</a:t>
+            </a:r>
+            <a:r>
+              <a:rPr lang="en-US" sz="2300" b="0" i="0" u="none" strike="noStrike" cap="none" dirty="0" smtClean="0">
                 <a:solidFill>
                   <a:srgbClr val="FFFFFF"/>
                 </a:solidFill>
@@ -16744,9 +16847,21 @@
                 <a:cs typeface="Arial"/>
                 <a:sym typeface="Arial"/>
               </a:rPr>
-              <a:t>read and write persistent data</a:t>
+              <a:t>ead </a:t>
             </a:r>
-            <a:endParaRPr/>
+            <a:r>
+              <a:rPr lang="en-US" sz="2300" b="0" i="0" u="none" strike="noStrike" cap="none" dirty="0">
+                <a:solidFill>
+                  <a:srgbClr val="FFFFFF"/>
+                </a:solidFill>
+                <a:latin typeface="Arial"/>
+                <a:ea typeface="Arial"/>
+                <a:cs typeface="Arial"/>
+                <a:sym typeface="Arial"/>
+              </a:rPr>
+              <a:t>and write persistent data</a:t>
+            </a:r>
+            <a:endParaRPr dirty="0"/>
           </a:p>
           <a:p>
             <a:pPr marL="457200" marR="0" lvl="0" indent="-457200" algn="l" rtl="0">
@@ -16764,7 +16879,15 @@
               <a:buChar char="•"/>
             </a:pPr>
             <a:r>
-              <a:rPr lang="en-US" sz="2300" b="0" i="0" u="none" strike="noStrike" cap="none">
+              <a:rPr lang="en-US" sz="2300" dirty="0">
+                <a:solidFill>
+                  <a:srgbClr val="FFFFFF"/>
+                </a:solidFill>
+              </a:rPr>
+              <a:t>A</a:t>
+            </a:r>
+            <a:r>
+              <a:rPr lang="en-US" sz="2300" b="0" i="0" u="none" strike="noStrike" cap="none" dirty="0" smtClean="0">
                 <a:solidFill>
                   <a:srgbClr val="FFFFFF"/>
                 </a:solidFill>
@@ -16773,9 +16896,21 @@
                 <a:cs typeface="Arial"/>
                 <a:sym typeface="Arial"/>
               </a:rPr>
-              <a:t>add and remove resources</a:t>
+              <a:t>dd </a:t>
             </a:r>
-            <a:endParaRPr sz="2300" b="0" i="0" u="none" strike="noStrike" cap="none">
+            <a:r>
+              <a:rPr lang="en-US" sz="2300" b="0" i="0" u="none" strike="noStrike" cap="none" dirty="0">
+                <a:solidFill>
+                  <a:srgbClr val="FFFFFF"/>
+                </a:solidFill>
+                <a:latin typeface="Arial"/>
+                <a:ea typeface="Arial"/>
+                <a:cs typeface="Arial"/>
+                <a:sym typeface="Arial"/>
+              </a:rPr>
+              <a:t>and remove resources</a:t>
+            </a:r>
+            <a:endParaRPr sz="2300" b="0" i="0" u="none" strike="noStrike" cap="none" dirty="0">
               <a:solidFill>
                 <a:srgbClr val="FFFFFF"/>
               </a:solidFill>
@@ -16827,7 +16962,15 @@
               <a:buChar char="•"/>
             </a:pPr>
             <a:r>
-              <a:rPr lang="en-US" sz="2300">
+              <a:rPr lang="en-US" sz="2300" dirty="0">
+                <a:solidFill>
+                  <a:srgbClr val="FFFFFF"/>
+                </a:solidFill>
+              </a:rPr>
+              <a:t>R</a:t>
+            </a:r>
+            <a:r>
+              <a:rPr lang="en-US" sz="2300" dirty="0" smtClean="0">
                 <a:solidFill>
                   <a:srgbClr val="FFFFFF"/>
                 </a:solidFill>
@@ -16836,9 +16979,21 @@
                 <a:cs typeface="Arial"/>
                 <a:sym typeface="Arial"/>
               </a:rPr>
-              <a:t>record internal and external events</a:t>
+              <a:t>ecord </a:t>
             </a:r>
-            <a:endParaRPr/>
+            <a:r>
+              <a:rPr lang="en-US" sz="2300" dirty="0">
+                <a:solidFill>
+                  <a:srgbClr val="FFFFFF"/>
+                </a:solidFill>
+                <a:latin typeface="Arial"/>
+                <a:ea typeface="Arial"/>
+                <a:cs typeface="Arial"/>
+                <a:sym typeface="Arial"/>
+              </a:rPr>
+              <a:t>internal and external events</a:t>
+            </a:r>
+            <a:endParaRPr dirty="0"/>
           </a:p>
           <a:p>
             <a:pPr marL="457200" marR="0" lvl="0" indent="-457200" algn="l" rtl="0">
@@ -16856,7 +17011,15 @@
               <a:buChar char="•"/>
             </a:pPr>
             <a:r>
-              <a:rPr lang="en-US" sz="2300">
+              <a:rPr lang="en-US" sz="2300" dirty="0">
+                <a:solidFill>
+                  <a:srgbClr val="FFFFFF"/>
+                </a:solidFill>
+              </a:rPr>
+              <a:t>I</a:t>
+            </a:r>
+            <a:r>
+              <a:rPr lang="en-US" sz="2300" dirty="0" smtClean="0">
                 <a:solidFill>
                   <a:srgbClr val="FFFFFF"/>
                 </a:solidFill>
@@ -16865,9 +17028,21 @@
                 <a:cs typeface="Arial"/>
                 <a:sym typeface="Arial"/>
               </a:rPr>
-              <a:t>isolate resources and failures</a:t>
+              <a:t>solate </a:t>
             </a:r>
-            <a:endParaRPr/>
+            <a:r>
+              <a:rPr lang="en-US" sz="2300" dirty="0">
+                <a:solidFill>
+                  <a:srgbClr val="FFFFFF"/>
+                </a:solidFill>
+                <a:latin typeface="Arial"/>
+                <a:ea typeface="Arial"/>
+                <a:cs typeface="Arial"/>
+                <a:sym typeface="Arial"/>
+              </a:rPr>
+              <a:t>resources and failures</a:t>
+            </a:r>
+            <a:endParaRPr dirty="0"/>
           </a:p>
           <a:p>
             <a:pPr marL="457200" marR="0" lvl="0" indent="-457200" algn="l" rtl="0">
@@ -16885,7 +17060,15 @@
               <a:buChar char="•"/>
             </a:pPr>
             <a:r>
-              <a:rPr lang="en-US" sz="2300">
+              <a:rPr lang="en-US" sz="2300" dirty="0">
+                <a:solidFill>
+                  <a:srgbClr val="FFFFFF"/>
+                </a:solidFill>
+              </a:rPr>
+              <a:t>M</a:t>
+            </a:r>
+            <a:r>
+              <a:rPr lang="en-US" sz="2300" dirty="0" smtClean="0">
                 <a:solidFill>
                   <a:srgbClr val="FFFFFF"/>
                 </a:solidFill>
@@ -16894,9 +17077,21 @@
                 <a:cs typeface="Arial"/>
                 <a:sym typeface="Arial"/>
               </a:rPr>
-              <a:t>measure performance and health</a:t>
+              <a:t>easure </a:t>
             </a:r>
-            <a:endParaRPr/>
+            <a:r>
+              <a:rPr lang="en-US" sz="2300" dirty="0">
+                <a:solidFill>
+                  <a:srgbClr val="FFFFFF"/>
+                </a:solidFill>
+                <a:latin typeface="Arial"/>
+                <a:ea typeface="Arial"/>
+                <a:cs typeface="Arial"/>
+                <a:sym typeface="Arial"/>
+              </a:rPr>
+              <a:t>performance and health</a:t>
+            </a:r>
+            <a:endParaRPr dirty="0"/>
           </a:p>
           <a:p>
             <a:pPr marL="457200" marR="0" lvl="0" indent="-457200" algn="l" rtl="0">
@@ -16914,7 +17109,15 @@
               <a:buChar char="•"/>
             </a:pPr>
             <a:r>
-              <a:rPr lang="en-US" sz="2300">
+              <a:rPr lang="en-US" sz="2300" dirty="0">
+                <a:solidFill>
+                  <a:srgbClr val="FFFFFF"/>
+                </a:solidFill>
+              </a:rPr>
+              <a:t>D</a:t>
+            </a:r>
+            <a:r>
+              <a:rPr lang="en-US" sz="2300" dirty="0" smtClean="0">
                 <a:solidFill>
                   <a:srgbClr val="FFFFFF"/>
                 </a:solidFill>
@@ -16923,9 +17126,21 @@
                 <a:cs typeface="Arial"/>
                 <a:sym typeface="Arial"/>
               </a:rPr>
-              <a:t>detect and determine failure (plan &amp; provoke failure)</a:t>
+              <a:t>etect </a:t>
             </a:r>
-            <a:endParaRPr/>
+            <a:r>
+              <a:rPr lang="en-US" sz="2300" dirty="0">
+                <a:solidFill>
+                  <a:srgbClr val="FFFFFF"/>
+                </a:solidFill>
+                <a:latin typeface="Arial"/>
+                <a:ea typeface="Arial"/>
+                <a:cs typeface="Arial"/>
+                <a:sym typeface="Arial"/>
+              </a:rPr>
+              <a:t>and determine failure (plan &amp; provoke failure)</a:t>
+            </a:r>
+            <a:endParaRPr dirty="0"/>
           </a:p>
           <a:p>
             <a:pPr marL="457200" marR="0" lvl="0" indent="-457200" algn="l" rtl="0">
@@ -16943,7 +17158,15 @@
               <a:buChar char="•"/>
             </a:pPr>
             <a:r>
-              <a:rPr lang="en-US" sz="2300">
+              <a:rPr lang="en-US" sz="2300" dirty="0">
+                <a:solidFill>
+                  <a:srgbClr val="FFFFFF"/>
+                </a:solidFill>
+              </a:rPr>
+              <a:t>R</a:t>
+            </a:r>
+            <a:r>
+              <a:rPr lang="en-US" sz="2300" dirty="0" smtClean="0">
                 <a:solidFill>
                   <a:srgbClr val="FFFFFF"/>
                 </a:solidFill>
@@ -16952,9 +17175,21 @@
                 <a:cs typeface="Arial"/>
                 <a:sym typeface="Arial"/>
               </a:rPr>
-              <a:t>recover failures</a:t>
+              <a:t>ecover </a:t>
             </a:r>
-            <a:endParaRPr/>
+            <a:r>
+              <a:rPr lang="en-US" sz="2300" dirty="0">
+                <a:solidFill>
+                  <a:srgbClr val="FFFFFF"/>
+                </a:solidFill>
+                <a:latin typeface="Arial"/>
+                <a:ea typeface="Arial"/>
+                <a:cs typeface="Arial"/>
+                <a:sym typeface="Arial"/>
+              </a:rPr>
+              <a:t>failures</a:t>
+            </a:r>
+            <a:endParaRPr dirty="0"/>
           </a:p>
           <a:p>
             <a:pPr marL="457200" marR="0" lvl="0" indent="-457200" algn="l" rtl="0">
@@ -16972,7 +17207,15 @@
               <a:buChar char="•"/>
             </a:pPr>
             <a:r>
-              <a:rPr lang="en-US" sz="2300">
+              <a:rPr lang="en-US" sz="2300" dirty="0">
+                <a:solidFill>
+                  <a:srgbClr val="FFFFFF"/>
+                </a:solidFill>
+              </a:rPr>
+              <a:t>W</a:t>
+            </a:r>
+            <a:r>
+              <a:rPr lang="en-US" sz="2300" dirty="0" smtClean="0">
                 <a:solidFill>
                   <a:srgbClr val="FFFFFF"/>
                 </a:solidFill>
@@ -16981,9 +17224,21 @@
                 <a:cs typeface="Arial"/>
                 <a:sym typeface="Arial"/>
               </a:rPr>
-              <a:t>work tomorrow</a:t>
+              <a:t>ork </a:t>
             </a:r>
-            <a:endParaRPr/>
+            <a:r>
+              <a:rPr lang="en-US" sz="2300" dirty="0">
+                <a:solidFill>
+                  <a:srgbClr val="FFFFFF"/>
+                </a:solidFill>
+                <a:latin typeface="Arial"/>
+                <a:ea typeface="Arial"/>
+                <a:cs typeface="Arial"/>
+                <a:sym typeface="Arial"/>
+              </a:rPr>
+              <a:t>tomorrow</a:t>
+            </a:r>
+            <a:endParaRPr dirty="0"/>
           </a:p>
         </p:txBody>
       </p:sp>
@@ -16995,6 +17250,13 @@
   <p:transition xmlns:p14="http://schemas.microsoft.com/office/powerpoint/2010/main">
     <p:fade thruBlk="1"/>
   </p:transition>
+  <p:timing>
+    <p:tnLst>
+      <p:par>
+        <p:cTn xmlns:p14="http://schemas.microsoft.com/office/powerpoint/2010/main" id="1" dur="indefinite" restart="never" nodeType="tmRoot"/>
+      </p:par>
+    </p:tnLst>
+  </p:timing>
 </p:sld>
 </file>
 
@@ -18452,6 +18714,13 @@
   <p:transition xmlns:p14="http://schemas.microsoft.com/office/powerpoint/2010/main">
     <p:fade thruBlk="1"/>
   </p:transition>
+  <p:timing>
+    <p:tnLst>
+      <p:par>
+        <p:cTn xmlns:p14="http://schemas.microsoft.com/office/powerpoint/2010/main" id="1" dur="indefinite" restart="never" nodeType="tmRoot"/>
+      </p:par>
+    </p:tnLst>
+  </p:timing>
 </p:sld>
 </file>
 
@@ -18657,6 +18926,13 @@
   <p:transition xmlns:p14="http://schemas.microsoft.com/office/powerpoint/2010/main">
     <p:fade thruBlk="1"/>
   </p:transition>
+  <p:timing>
+    <p:tnLst>
+      <p:par>
+        <p:cTn xmlns:p14="http://schemas.microsoft.com/office/powerpoint/2010/main" id="1" dur="indefinite" restart="never" nodeType="tmRoot"/>
+      </p:par>
+    </p:tnLst>
+  </p:timing>
 </p:sld>
 </file>
 
@@ -18712,6 +18988,13 @@
   <p:transition xmlns:p14="http://schemas.microsoft.com/office/powerpoint/2010/main">
     <p:fade thruBlk="1"/>
   </p:transition>
+  <p:timing>
+    <p:tnLst>
+      <p:par>
+        <p:cTn xmlns:p14="http://schemas.microsoft.com/office/powerpoint/2010/main" id="1" dur="indefinite" restart="never" nodeType="tmRoot"/>
+      </p:par>
+    </p:tnLst>
+  </p:timing>
 </p:sld>
 </file>
 
@@ -18775,6 +19058,13 @@
   <p:transition xmlns:p14="http://schemas.microsoft.com/office/powerpoint/2010/main">
     <p:fade thruBlk="1"/>
   </p:transition>
+  <p:timing>
+    <p:tnLst>
+      <p:par>
+        <p:cTn xmlns:p14="http://schemas.microsoft.com/office/powerpoint/2010/main" id="1" dur="indefinite" restart="never" nodeType="tmRoot"/>
+      </p:par>
+    </p:tnLst>
+  </p:timing>
 </p:sld>
 </file>
 
@@ -18907,7 +19197,15 @@
               <a:buNone/>
             </a:pPr>
             <a:r>
-              <a:rPr lang="en-US" sz="2800" b="0" i="0" u="none" strike="noStrike" cap="none">
+              <a:rPr lang="en-US" sz="2800" dirty="0">
+                <a:solidFill>
+                  <a:schemeClr val="accent6"/>
+                </a:solidFill>
+              </a:rPr>
+              <a:t>I</a:t>
+            </a:r>
+            <a:r>
+              <a:rPr lang="en-US" sz="2800" b="0" i="0" u="none" strike="noStrike" cap="none" dirty="0" smtClean="0">
                 <a:solidFill>
                   <a:schemeClr val="accent6"/>
                 </a:solidFill>
@@ -18916,9 +19214,21 @@
                 <a:cs typeface="Arial"/>
                 <a:sym typeface="Arial"/>
               </a:rPr>
-              <a:t>if securities are subjected to randomized changes, as if by market forces – wouldn’t it be better to make use of real-time data?</a:t>
+              <a:t>f </a:t>
             </a:r>
-            <a:endParaRPr/>
+            <a:r>
+              <a:rPr lang="en-US" sz="2800" b="0" i="0" u="none" strike="noStrike" cap="none" dirty="0">
+                <a:solidFill>
+                  <a:schemeClr val="accent6"/>
+                </a:solidFill>
+                <a:latin typeface="Arial"/>
+                <a:ea typeface="Arial"/>
+                <a:cs typeface="Arial"/>
+                <a:sym typeface="Arial"/>
+              </a:rPr>
+              <a:t>securities are subjected to randomized changes, as if by market forces – wouldn’t it be better to make use of real-time data?</a:t>
+            </a:r>
+            <a:endParaRPr dirty="0"/>
           </a:p>
           <a:p>
             <a:pPr marL="0" marR="0" lvl="0" indent="0" algn="l" rtl="0">
@@ -18937,7 +19247,7 @@
               <a:buFont typeface="Arial"/>
               <a:buNone/>
             </a:pPr>
-            <a:endParaRPr sz="2800" b="0" i="0" u="none" strike="noStrike" cap="none">
+            <a:endParaRPr sz="2800" b="0" i="0" u="none" strike="noStrike" cap="none" dirty="0">
               <a:solidFill>
                 <a:schemeClr val="accent6"/>
               </a:solidFill>
@@ -18957,6 +19267,13 @@
   <p:transition xmlns:p14="http://schemas.microsoft.com/office/powerpoint/2010/main">
     <p:fade thruBlk="1"/>
   </p:transition>
+  <p:timing>
+    <p:tnLst>
+      <p:par>
+        <p:cTn xmlns:p14="http://schemas.microsoft.com/office/powerpoint/2010/main" id="1" dur="indefinite" restart="never" nodeType="tmRoot"/>
+      </p:par>
+    </p:tnLst>
+  </p:timing>
 </p:sld>
 </file>
 
@@ -19232,6 +19549,13 @@
   <p:transition xmlns:p14="http://schemas.microsoft.com/office/powerpoint/2010/main">
     <p:fade thruBlk="1"/>
   </p:transition>
+  <p:timing>
+    <p:tnLst>
+      <p:par>
+        <p:cTn xmlns:p14="http://schemas.microsoft.com/office/powerpoint/2010/main" id="1" dur="indefinite" restart="never" nodeType="tmRoot"/>
+      </p:par>
+    </p:tnLst>
+  </p:timing>
 </p:sld>
 </file>
 
@@ -19295,7 +19619,7 @@
               <a:buNone/>
             </a:pPr>
             <a:r>
-              <a:rPr lang="en-US" sz="3200" b="0" i="0" u="none" strike="noStrike" cap="none">
+              <a:rPr lang="en-US" sz="3200" b="0" i="0" u="none" strike="noStrike" cap="none" dirty="0">
                 <a:solidFill>
                   <a:schemeClr val="accent1"/>
                 </a:solidFill>
@@ -19304,9 +19628,21 @@
                 <a:cs typeface="Arial"/>
                 <a:sym typeface="Arial"/>
               </a:rPr>
-              <a:t>Introduce Microservice</a:t>
+              <a:t>Introduce </a:t>
             </a:r>
-            <a:endParaRPr sz="3200" b="0" i="0" u="none" strike="noStrike" cap="none">
+            <a:r>
+              <a:rPr lang="en-US" sz="3200" b="0" i="0" u="none" strike="noStrike" cap="none" dirty="0" smtClean="0">
+                <a:solidFill>
+                  <a:schemeClr val="accent1"/>
+                </a:solidFill>
+                <a:latin typeface="Arial"/>
+                <a:ea typeface="Arial"/>
+                <a:cs typeface="Arial"/>
+                <a:sym typeface="Arial"/>
+              </a:rPr>
+              <a:t>Microservices</a:t>
+            </a:r>
+            <a:endParaRPr sz="3200" b="0" i="0" u="none" strike="noStrike" cap="none" dirty="0">
               <a:solidFill>
                 <a:schemeClr val="accent1"/>
               </a:solidFill>
@@ -19509,6 +19845,13 @@
   <p:transition xmlns:p14="http://schemas.microsoft.com/office/powerpoint/2010/main">
     <p:fade thruBlk="1"/>
   </p:transition>
+  <p:timing>
+    <p:tnLst>
+      <p:par>
+        <p:cTn xmlns:p14="http://schemas.microsoft.com/office/powerpoint/2010/main" id="1" dur="indefinite" restart="never" nodeType="tmRoot"/>
+      </p:par>
+    </p:tnLst>
+  </p:timing>
 </p:sld>
 </file>
 
@@ -19564,6 +19907,13 @@
   <p:transition xmlns:p14="http://schemas.microsoft.com/office/powerpoint/2010/main">
     <p:fade thruBlk="1"/>
   </p:transition>
+  <p:timing>
+    <p:tnLst>
+      <p:par>
+        <p:cTn xmlns:p14="http://schemas.microsoft.com/office/powerpoint/2010/main" id="1" dur="indefinite" restart="never" nodeType="tmRoot"/>
+      </p:par>
+    </p:tnLst>
+  </p:timing>
 </p:sld>
 </file>
 
@@ -19697,7 +20047,7 @@
               <a:buChar char="•"/>
             </a:pPr>
             <a:r>
-              <a:rPr lang="en-US" sz="2400" b="0" i="0" u="none" strike="noStrike" cap="none">
+              <a:rPr lang="en-US" sz="2400" b="0" i="0" u="none" strike="noStrike" cap="none" dirty="0">
                 <a:solidFill>
                   <a:schemeClr val="accent6"/>
                 </a:solidFill>
@@ -19708,7 +20058,7 @@
               </a:rPr>
               <a:t>Provide a way to handle failures in remote services</a:t>
             </a:r>
-            <a:endParaRPr/>
+            <a:endParaRPr dirty="0"/>
           </a:p>
           <a:p>
             <a:pPr marL="342900" marR="0" lvl="0" indent="-342900" algn="l" rtl="0">
@@ -19729,7 +20079,7 @@
               <a:buChar char="•"/>
             </a:pPr>
             <a:r>
-              <a:rPr lang="en-US" sz="2400" b="0" i="0" u="none" strike="noStrike" cap="none">
+              <a:rPr lang="en-US" sz="2400" b="0" i="0" u="none" strike="noStrike" cap="none" dirty="0">
                 <a:solidFill>
                   <a:schemeClr val="accent6"/>
                 </a:solidFill>
@@ -19740,7 +20090,7 @@
               </a:rPr>
               <a:t>Provide a way to locate and manage loosely coupled services</a:t>
             </a:r>
-            <a:endParaRPr/>
+            <a:endParaRPr dirty="0"/>
           </a:p>
           <a:p>
             <a:pPr marL="342900" marR="0" lvl="0" indent="-342900" algn="l" rtl="0">
@@ -19761,7 +20111,7 @@
               <a:buChar char="•"/>
             </a:pPr>
             <a:r>
-              <a:rPr lang="en-US" sz="2400" b="0" i="0" u="none" strike="noStrike" cap="none">
+              <a:rPr lang="en-US" sz="2400" b="0" i="0" u="none" strike="noStrike" cap="none" dirty="0">
                 <a:solidFill>
                   <a:schemeClr val="accent6"/>
                 </a:solidFill>
@@ -19772,7 +20122,7 @@
               </a:rPr>
               <a:t>Make changes while minimizing changes to existing codebase</a:t>
             </a:r>
-            <a:endParaRPr/>
+            <a:endParaRPr dirty="0"/>
           </a:p>
           <a:p>
             <a:pPr marL="342900" marR="0" lvl="0" indent="-342900" algn="l" rtl="0">
@@ -19793,7 +20143,7 @@
               <a:buChar char="•"/>
             </a:pPr>
             <a:r>
-              <a:rPr lang="en-US" sz="2400" b="0" i="0" u="none" strike="noStrike" cap="none">
+              <a:rPr lang="en-US" sz="2400" b="0" i="0" u="none" strike="noStrike" cap="none" dirty="0">
                 <a:solidFill>
                   <a:schemeClr val="accent6"/>
                 </a:solidFill>
@@ -19802,9 +20152,61 @@
                 <a:cs typeface="Arial"/>
                 <a:sym typeface="Arial"/>
               </a:rPr>
-              <a:t>Make sure there is a working system, are there test to validate</a:t>
+              <a:t>Make sure there is a working </a:t>
             </a:r>
-            <a:endParaRPr/>
+            <a:r>
+              <a:rPr lang="en-US" sz="2400" b="0" i="0" u="none" strike="noStrike" cap="none" dirty="0" smtClean="0">
+                <a:solidFill>
+                  <a:schemeClr val="accent6"/>
+                </a:solidFill>
+                <a:latin typeface="Arial"/>
+                <a:ea typeface="Arial"/>
+                <a:cs typeface="Arial"/>
+                <a:sym typeface="Arial"/>
+              </a:rPr>
+              <a:t>system</a:t>
+            </a:r>
+            <a:r>
+              <a:rPr lang="en-US" sz="2400" dirty="0">
+                <a:solidFill>
+                  <a:schemeClr val="accent6"/>
+                </a:solidFill>
+              </a:rPr>
+              <a:t> </a:t>
+            </a:r>
+            <a:r>
+              <a:rPr lang="en-US" sz="2400" dirty="0" smtClean="0">
+                <a:solidFill>
+                  <a:schemeClr val="accent6"/>
+                </a:solidFill>
+              </a:rPr>
+              <a:t>with </a:t>
+            </a:r>
+            <a:r>
+              <a:rPr lang="en-US" sz="2400" b="0" i="0" u="none" strike="noStrike" cap="none" dirty="0" smtClean="0">
+                <a:solidFill>
+                  <a:schemeClr val="accent6"/>
+                </a:solidFill>
+                <a:latin typeface="Arial"/>
+                <a:ea typeface="Arial"/>
+                <a:cs typeface="Arial"/>
+                <a:sym typeface="Arial"/>
+              </a:rPr>
+              <a:t>tests </a:t>
+            </a:r>
+            <a:r>
+              <a:rPr lang="en-US" sz="2400" b="0" i="0" u="none" strike="noStrike" cap="none" dirty="0">
+                <a:solidFill>
+                  <a:schemeClr val="accent6"/>
+                </a:solidFill>
+                <a:latin typeface="Arial"/>
+                <a:ea typeface="Arial"/>
+                <a:cs typeface="Arial"/>
+                <a:sym typeface="Arial"/>
+              </a:rPr>
+              <a:t>to validate</a:t>
+            </a:r>
+            <a:endParaRPr dirty="0"/>
           </a:p>
           <a:p>
             <a:pPr marL="457200" marR="0" lvl="0" indent="-279400" algn="l" rtl="0">
@@ -19824,7 +20226,7 @@
               <a:buFont typeface="Arial"/>
               <a:buNone/>
             </a:pPr>
-            <a:endParaRPr sz="2800" b="0" i="0" u="none" strike="noStrike" cap="none">
+            <a:endParaRPr sz="2800" b="0" i="0" u="none" strike="noStrike" cap="none" dirty="0">
               <a:solidFill>
                 <a:schemeClr val="accent6"/>
               </a:solidFill>
@@ -19851,7 +20253,7 @@
               <a:buFont typeface="Arial"/>
               <a:buNone/>
             </a:pPr>
-            <a:endParaRPr sz="2800" b="0" i="0" u="none" strike="noStrike" cap="none">
+            <a:endParaRPr sz="2800" b="0" i="0" u="none" strike="noStrike" cap="none" dirty="0">
               <a:solidFill>
                 <a:schemeClr val="accent6"/>
               </a:solidFill>
@@ -19871,6 +20273,13 @@
   <p:transition xmlns:p14="http://schemas.microsoft.com/office/powerpoint/2010/main">
     <p:fade thruBlk="1"/>
   </p:transition>
+  <p:timing>
+    <p:tnLst>
+      <p:par>
+        <p:cTn xmlns:p14="http://schemas.microsoft.com/office/powerpoint/2010/main" id="1" dur="indefinite" restart="never" nodeType="tmRoot"/>
+      </p:par>
+    </p:tnLst>
+  </p:timing>
 </p:sld>
 </file>
 
@@ -20096,6 +20505,13 @@
   <p:transition xmlns:p14="http://schemas.microsoft.com/office/powerpoint/2010/main">
     <p:fade thruBlk="1"/>
   </p:transition>
+  <p:timing>
+    <p:tnLst>
+      <p:par>
+        <p:cTn xmlns:p14="http://schemas.microsoft.com/office/powerpoint/2010/main" id="1" dur="indefinite" restart="never" nodeType="tmRoot"/>
+      </p:par>
+    </p:tnLst>
+  </p:timing>
 </p:sld>
 </file>
 
@@ -20228,7 +20644,7 @@
               <a:buNone/>
             </a:pPr>
             <a:r>
-              <a:rPr lang="en-US" sz="2800" b="0" i="0" u="none" strike="noStrike" cap="none">
+              <a:rPr lang="en-US" sz="2800" b="0" i="0" u="none" strike="noStrike" cap="none" dirty="0" err="1">
                 <a:solidFill>
                   <a:schemeClr val="accent6"/>
                 </a:solidFill>
@@ -20237,9 +20653,21 @@
                 <a:cs typeface="Arial"/>
                 <a:sym typeface="Arial"/>
               </a:rPr>
-              <a:t>Config Server</a:t>
+              <a:t>Config</a:t>
             </a:r>
-            <a:endParaRPr/>
+            <a:r>
+              <a:rPr lang="en-US" sz="2800" b="0" i="0" u="none" strike="noStrike" cap="none" dirty="0">
+                <a:solidFill>
+                  <a:schemeClr val="accent6"/>
+                </a:solidFill>
+                <a:latin typeface="Arial"/>
+                <a:ea typeface="Arial"/>
+                <a:cs typeface="Arial"/>
+                <a:sym typeface="Arial"/>
+              </a:rPr>
+              <a:t> Server</a:t>
+            </a:r>
+            <a:endParaRPr dirty="0"/>
           </a:p>
           <a:p>
             <a:pPr marL="0" marR="0" lvl="0" indent="0" algn="l" rtl="0">
@@ -20259,7 +20687,7 @@
               <a:buNone/>
             </a:pPr>
             <a:r>
-              <a:rPr lang="en-US" sz="2800" b="0" i="0" u="none" strike="noStrike" cap="none">
+              <a:rPr lang="en-US" sz="2800" b="0" i="0" u="none" strike="noStrike" cap="none" dirty="0">
                 <a:solidFill>
                   <a:schemeClr val="accent6"/>
                 </a:solidFill>
@@ -20270,7 +20698,7 @@
               </a:rPr>
               <a:t>Service Discovery</a:t>
             </a:r>
-            <a:endParaRPr/>
+            <a:endParaRPr dirty="0"/>
           </a:p>
           <a:p>
             <a:pPr marL="0" marR="0" lvl="0" indent="0" algn="l" rtl="0">
@@ -20290,7 +20718,7 @@
               <a:buNone/>
             </a:pPr>
             <a:r>
-              <a:rPr lang="en-US" sz="2800" b="0" i="0" u="none" strike="noStrike" cap="none">
+              <a:rPr lang="en-US" sz="2800" b="0" i="0" u="none" strike="noStrike" cap="none" dirty="0">
                 <a:solidFill>
                   <a:schemeClr val="accent6"/>
                 </a:solidFill>
@@ -20301,7 +20729,7 @@
               </a:rPr>
               <a:t>Circuit Breaker</a:t>
             </a:r>
-            <a:endParaRPr/>
+            <a:endParaRPr dirty="0"/>
           </a:p>
           <a:p>
             <a:pPr marL="457200" marR="0" lvl="0" indent="-279400" algn="l" rtl="0">
@@ -20321,7 +20749,7 @@
               <a:buFont typeface="Arial"/>
               <a:buNone/>
             </a:pPr>
-            <a:endParaRPr sz="2800" b="0" i="0" u="none" strike="noStrike" cap="none">
+            <a:endParaRPr sz="2800" b="0" i="0" u="none" strike="noStrike" cap="none" dirty="0">
               <a:solidFill>
                 <a:schemeClr val="accent6"/>
               </a:solidFill>
@@ -20348,7 +20776,7 @@
               <a:buFont typeface="Arial"/>
               <a:buNone/>
             </a:pPr>
-            <a:endParaRPr sz="2800" b="0" i="0" u="none" strike="noStrike" cap="none">
+            <a:endParaRPr sz="2800" b="0" i="0" u="none" strike="noStrike" cap="none" dirty="0">
               <a:solidFill>
                 <a:schemeClr val="accent6"/>
               </a:solidFill>
@@ -20368,6 +20796,13 @@
   <p:transition xmlns:p14="http://schemas.microsoft.com/office/powerpoint/2010/main">
     <p:fade thruBlk="1"/>
   </p:transition>
+  <p:timing>
+    <p:tnLst>
+      <p:par>
+        <p:cTn xmlns:p14="http://schemas.microsoft.com/office/powerpoint/2010/main" id="1" dur="indefinite" restart="never" nodeType="tmRoot"/>
+      </p:par>
+    </p:tnLst>
+  </p:timing>
 </p:sld>
 </file>
 
@@ -20423,6 +20858,13 @@
   <p:transition xmlns:p14="http://schemas.microsoft.com/office/powerpoint/2010/main">
     <p:fade thruBlk="1"/>
   </p:transition>
+  <p:timing>
+    <p:tnLst>
+      <p:par>
+        <p:cTn xmlns:p14="http://schemas.microsoft.com/office/powerpoint/2010/main" id="1" dur="indefinite" restart="never" nodeType="tmRoot"/>
+      </p:par>
+    </p:tnLst>
+  </p:timing>
 </p:sld>
 </file>
 
@@ -20634,6 +21076,13 @@
   <p:transition xmlns:p14="http://schemas.microsoft.com/office/powerpoint/2010/main">
     <p:fade thruBlk="1"/>
   </p:transition>
+  <p:timing>
+    <p:tnLst>
+      <p:par>
+        <p:cTn xmlns:p14="http://schemas.microsoft.com/office/powerpoint/2010/main" id="1" dur="indefinite" restart="never" nodeType="tmRoot"/>
+      </p:par>
+    </p:tnLst>
+  </p:timing>
 </p:sld>
 </file>
 
@@ -20973,6 +21422,13 @@
   <p:transition xmlns:p14="http://schemas.microsoft.com/office/powerpoint/2010/main">
     <p:fade thruBlk="1"/>
   </p:transition>
+  <p:timing>
+    <p:tnLst>
+      <p:par>
+        <p:cTn xmlns:p14="http://schemas.microsoft.com/office/powerpoint/2010/main" id="1" dur="indefinite" restart="never" nodeType="tmRoot"/>
+      </p:par>
+    </p:tnLst>
+  </p:timing>
 </p:sld>
 </file>
 
@@ -21028,6 +21484,13 @@
   <p:transition xmlns:p14="http://schemas.microsoft.com/office/powerpoint/2010/main">
     <p:fade thruBlk="1"/>
   </p:transition>
+  <p:timing>
+    <p:tnLst>
+      <p:par>
+        <p:cTn xmlns:p14="http://schemas.microsoft.com/office/powerpoint/2010/main" id="1" dur="indefinite" restart="never" nodeType="tmRoot"/>
+      </p:par>
+    </p:tnLst>
+  </p:timing>
 </p:sld>
 </file>
 
@@ -21150,7 +21613,7 @@
               <a:buChar char="•"/>
             </a:pPr>
             <a:r>
-              <a:rPr lang="en-US" sz="2400">
+              <a:rPr lang="en-US" sz="2400" dirty="0" smtClean="0">
                 <a:solidFill>
                   <a:srgbClr val="FFFFFF"/>
                 </a:solidFill>
@@ -21159,9 +21622,45 @@
                 <a:cs typeface="Calibri"/>
                 <a:sym typeface="Calibri"/>
               </a:rPr>
-              <a:t>Defining your domain, entities that comprise the domain and the necessary domain logic.</a:t>
+              <a:t>Defining </a:t>
             </a:r>
-            <a:endParaRPr/>
+            <a:r>
+              <a:rPr lang="en-US" sz="2400" dirty="0">
+                <a:solidFill>
+                  <a:srgbClr val="FFFFFF"/>
+                </a:solidFill>
+                <a:latin typeface="Calibri"/>
+                <a:ea typeface="Calibri"/>
+                <a:cs typeface="Calibri"/>
+                <a:sym typeface="Calibri"/>
+              </a:rPr>
+              <a:t>your </a:t>
+            </a:r>
+            <a:r>
+              <a:rPr lang="en-US" sz="2400" dirty="0" smtClean="0">
+                <a:solidFill>
+                  <a:srgbClr val="FFFFFF"/>
+                </a:solidFill>
+                <a:latin typeface="Calibri"/>
+                <a:ea typeface="Calibri"/>
+                <a:cs typeface="Calibri"/>
+                <a:sym typeface="Calibri"/>
+              </a:rPr>
+              <a:t>domain </a:t>
+            </a:r>
+            <a:r>
+              <a:rPr lang="en-US" sz="2400" dirty="0">
+                <a:solidFill>
+                  <a:srgbClr val="FFFFFF"/>
+                </a:solidFill>
+                <a:latin typeface="Calibri"/>
+                <a:ea typeface="Calibri"/>
+                <a:cs typeface="Calibri"/>
+                <a:sym typeface="Calibri"/>
+              </a:rPr>
+              <a:t>entities that comprise the domain and the necessary domain logic.</a:t>
+            </a:r>
+            <a:endParaRPr dirty="0"/>
           </a:p>
           <a:p>
             <a:pPr marL="285750" marR="0" lvl="0" indent="-285750" algn="l" rtl="0">
@@ -21179,7 +21678,7 @@
               <a:buChar char="•"/>
             </a:pPr>
             <a:r>
-              <a:rPr lang="en-US" sz="2400">
+              <a:rPr lang="en-US" sz="2400" dirty="0">
                 <a:solidFill>
                   <a:srgbClr val="FFFFFF"/>
                 </a:solidFill>
@@ -21190,7 +21689,7 @@
               </a:rPr>
               <a:t>Service layer and only add services where the logic doesn't belong in any domain entity or value object.</a:t>
             </a:r>
-            <a:endParaRPr/>
+            <a:endParaRPr dirty="0"/>
           </a:p>
           <a:p>
             <a:pPr marL="285750" marR="0" lvl="0" indent="-285750" algn="l" rtl="0">
@@ -21208,7 +21707,7 @@
               <a:buChar char="•"/>
             </a:pPr>
             <a:r>
-              <a:rPr lang="en-US" sz="2400">
+              <a:rPr lang="en-US" sz="2400" dirty="0">
                 <a:solidFill>
                   <a:srgbClr val="FFFFFF"/>
                 </a:solidFill>
@@ -21217,9 +21716,33 @@
                 <a:cs typeface="Calibri"/>
                 <a:sym typeface="Calibri"/>
               </a:rPr>
-              <a:t>Use Ubiquitous Language, Design by Contract (DbC), Automated Tests, Continuous Integration / Continuous Delivery and Refactoring</a:t>
+              <a:t>Use Ubiquitous Language, Design by Contract (</a:t>
             </a:r>
-            <a:endParaRPr sz="2400">
+            <a:r>
+              <a:rPr lang="en-US" sz="2400" dirty="0" err="1">
+                <a:solidFill>
+                  <a:srgbClr val="FFFFFF"/>
+                </a:solidFill>
+                <a:latin typeface="Calibri"/>
+                <a:ea typeface="Calibri"/>
+                <a:cs typeface="Calibri"/>
+                <a:sym typeface="Calibri"/>
+              </a:rPr>
+              <a:t>DbC</a:t>
+            </a:r>
+            <a:r>
+              <a:rPr lang="en-US" sz="2400" dirty="0">
+                <a:solidFill>
+                  <a:srgbClr val="FFFFFF"/>
+                </a:solidFill>
+                <a:latin typeface="Calibri"/>
+                <a:ea typeface="Calibri"/>
+                <a:cs typeface="Calibri"/>
+                <a:sym typeface="Calibri"/>
+              </a:rPr>
+              <a:t>), Automated Tests, Continuous Integration / Continuous Delivery and Refactoring</a:t>
+            </a:r>
+            <a:endParaRPr sz="2400" dirty="0">
               <a:solidFill>
                 <a:srgbClr val="FFFFFF"/>
               </a:solidFill>
@@ -21236,6 +21759,13 @@
   <p:clrMapOvr>
     <a:masterClrMapping/>
   </p:clrMapOvr>
+  <p:timing>
+    <p:tnLst>
+      <p:par>
+        <p:cTn xmlns:p14="http://schemas.microsoft.com/office/powerpoint/2010/main" id="1" dur="indefinite" restart="never" nodeType="tmRoot"/>
+      </p:par>
+    </p:tnLst>
+  </p:timing>
 </p:sld>
 </file>
 
@@ -21426,6 +21956,13 @@
   <p:clrMapOvr>
     <a:masterClrMapping/>
   </p:clrMapOvr>
+  <p:timing>
+    <p:tnLst>
+      <p:par>
+        <p:cTn xmlns:p14="http://schemas.microsoft.com/office/powerpoint/2010/main" id="1" dur="indefinite" restart="never" nodeType="tmRoot"/>
+      </p:par>
+    </p:tnLst>
+  </p:timing>
 </p:sld>
 </file>
 
@@ -21634,6 +22171,13 @@
   <p:clrMapOvr>
     <a:masterClrMapping/>
   </p:clrMapOvr>
+  <p:timing>
+    <p:tnLst>
+      <p:par>
+        <p:cTn xmlns:p14="http://schemas.microsoft.com/office/powerpoint/2010/main" id="1" dur="indefinite" restart="never" nodeType="tmRoot"/>
+      </p:par>
+    </p:tnLst>
+  </p:timing>
 </p:sld>
 </file>
 
@@ -21732,7 +22276,7 @@
         </p:nvSpPr>
         <p:spPr>
           <a:xfrm>
-            <a:off x="431800" y="847882"/>
+            <a:off x="431800" y="992689"/>
             <a:ext cx="5593080" cy="3848609"/>
           </a:xfrm>
           <a:prstGeom prst="rect">
@@ -21764,7 +22308,7 @@
               <a:buChar char="•"/>
             </a:pPr>
             <a:r>
-              <a:rPr lang="en-US" sz="2800" b="0" i="0" u="none" strike="noStrike" cap="none">
+              <a:rPr lang="en-US" sz="2800" b="0" i="0" u="none" strike="noStrike" cap="none" dirty="0">
                 <a:solidFill>
                   <a:srgbClr val="FFFFFF"/>
                 </a:solidFill>
@@ -21775,7 +22319,7 @@
               </a:rPr>
               <a:t>An approach for designing software systems that model the complexity of the real world</a:t>
             </a:r>
-            <a:endParaRPr/>
+            <a:endParaRPr dirty="0"/>
           </a:p>
           <a:p>
             <a:pPr marL="457200" marR="0" lvl="0" indent="-457200" algn="l" rtl="0">
@@ -21793,7 +22337,7 @@
               <a:buChar char="•"/>
             </a:pPr>
             <a:r>
-              <a:rPr lang="en-US" sz="2800" b="0" i="0" u="none" strike="noStrike" cap="none">
+              <a:rPr lang="en-US" sz="2800" b="0" i="0" u="none" strike="noStrike" cap="none" dirty="0">
                 <a:solidFill>
                   <a:srgbClr val="FFFFFF"/>
                 </a:solidFill>
@@ -21805,7 +22349,7 @@
               <a:t>Kicked off in </a:t>
             </a:r>
             <a:r>
-              <a:rPr lang="en-US" sz="2800" b="0" i="0" u="none" strike="noStrike" cap="none">
+              <a:rPr lang="en-US" sz="2800" b="0" i="0" u="none" strike="noStrike" cap="none" dirty="0">
                 <a:solidFill>
                   <a:srgbClr val="00FF00"/>
                 </a:solidFill>
@@ -21817,7 +22361,7 @@
               <a:t>2004</a:t>
             </a:r>
             <a:r>
-              <a:rPr lang="en-US" sz="2800" b="0" i="0" u="none" strike="noStrike" cap="none">
+              <a:rPr lang="en-US" sz="2800" b="0" i="0" u="none" strike="noStrike" cap="none" dirty="0">
                 <a:solidFill>
                   <a:srgbClr val="FFFFFF"/>
                 </a:solidFill>
@@ -21828,7 +22372,7 @@
               </a:rPr>
               <a:t> by Eric Evans</a:t>
             </a:r>
-            <a:endParaRPr/>
+            <a:endParaRPr dirty="0"/>
           </a:p>
           <a:p>
             <a:pPr marL="457200" marR="0" lvl="0" indent="-457200" algn="l" rtl="0">
@@ -21846,7 +22390,7 @@
               <a:buChar char="•"/>
             </a:pPr>
             <a:r>
-              <a:rPr lang="en-US" sz="2800" b="0" i="0" u="none" strike="noStrike" cap="none">
+              <a:rPr lang="en-US" sz="2800" b="0" i="0" u="none" strike="noStrike" cap="none" dirty="0">
                 <a:solidFill>
                   <a:srgbClr val="FFFFFF"/>
                 </a:solidFill>
@@ -21855,9 +22399,33 @@
                 <a:cs typeface="Arial"/>
                 <a:sym typeface="Arial"/>
               </a:rPr>
-              <a:t>A practical microservice design methodology</a:t>
+              <a:t>A practical </a:t>
             </a:r>
-            <a:endParaRPr sz="2800" b="0" i="0" u="none" strike="noStrike" cap="none">
+            <a:r>
+              <a:rPr lang="en-US" sz="2800" b="0" i="0" u="none" strike="noStrike" cap="none" dirty="0" err="1">
+                <a:solidFill>
+                  <a:srgbClr val="FFFFFF"/>
+                </a:solidFill>
+                <a:latin typeface="Arial"/>
+                <a:ea typeface="Arial"/>
+                <a:cs typeface="Arial"/>
+                <a:sym typeface="Arial"/>
+              </a:rPr>
+              <a:t>microservice</a:t>
+            </a:r>
+            <a:r>
+              <a:rPr lang="en-US" sz="2800" b="0" i="0" u="none" strike="noStrike" cap="none" dirty="0">
+                <a:solidFill>
+                  <a:srgbClr val="FFFFFF"/>
+                </a:solidFill>
+                <a:latin typeface="Arial"/>
+                <a:ea typeface="Arial"/>
+                <a:cs typeface="Arial"/>
+                <a:sym typeface="Arial"/>
+              </a:rPr>
+              <a:t> design methodology</a:t>
+            </a:r>
+            <a:endParaRPr sz="2800" b="0" i="0" u="none" strike="noStrike" cap="none" dirty="0">
               <a:solidFill>
                 <a:srgbClr val="FFFFFF"/>
               </a:solidFill>
@@ -21911,6 +22479,13 @@
   <p:transition xmlns:p14="http://schemas.microsoft.com/office/powerpoint/2010/main">
     <p:fade thruBlk="1"/>
   </p:transition>
+  <p:timing>
+    <p:tnLst>
+      <p:par>
+        <p:cTn xmlns:p14="http://schemas.microsoft.com/office/powerpoint/2010/main" id="1" dur="indefinite" restart="never" nodeType="tmRoot"/>
+      </p:par>
+    </p:tnLst>
+  </p:timing>
 </p:sld>
 </file>
 
@@ -22039,7 +22614,7 @@
         </p:nvSpPr>
         <p:spPr>
           <a:xfrm>
-            <a:off x="114025" y="953762"/>
+            <a:off x="114025" y="831233"/>
             <a:ext cx="8796300" cy="951031"/>
           </a:xfrm>
           <a:prstGeom prst="rect">
@@ -22062,18 +22637,46 @@
               <a:buNone/>
             </a:pPr>
             <a:r>
-              <a:rPr lang="en-US" dirty="0"/>
+              <a:rPr lang="en-US" dirty="0">
+                <a:solidFill>
+                  <a:schemeClr val="accent5">
+                    <a:lumMod val="60000"/>
+                    <a:lumOff val="40000"/>
+                  </a:schemeClr>
+                </a:solidFill>
+              </a:rPr>
               <a:t>https://</a:t>
             </a:r>
             <a:r>
-              <a:rPr lang="en-US" dirty="0" err="1"/>
+              <a:rPr lang="en-US" dirty="0" err="1">
+                <a:solidFill>
+                  <a:schemeClr val="accent5">
+                    <a:lumMod val="60000"/>
+                    <a:lumOff val="40000"/>
+                  </a:schemeClr>
+                </a:solidFill>
+              </a:rPr>
               <a:t>spring.io</a:t>
             </a:r>
             <a:r>
-              <a:rPr lang="en-US" dirty="0"/>
+              <a:rPr lang="en-US" dirty="0">
+                <a:solidFill>
+                  <a:schemeClr val="accent5">
+                    <a:lumMod val="60000"/>
+                    <a:lumOff val="40000"/>
+                  </a:schemeClr>
+                </a:solidFill>
+              </a:rPr>
               <a:t>/blog/2016/11/15/springone-platform-2016-replay-ddd-rest-domain-driven-apis-for-the-web</a:t>
             </a:r>
-            <a:endParaRPr dirty="0"/>
+            <a:endParaRPr dirty="0">
+              <a:solidFill>
+                <a:schemeClr val="accent5">
+                  <a:lumMod val="60000"/>
+                  <a:lumOff val="40000"/>
+                </a:schemeClr>
+              </a:solidFill>
+            </a:endParaRPr>
           </a:p>
         </p:txBody>
       </p:sp>
@@ -22110,6 +22713,13 @@
   <p:clrMapOvr>
     <a:masterClrMapping/>
   </p:clrMapOvr>
+  <p:timing>
+    <p:tnLst>
+      <p:par>
+        <p:cTn xmlns:p14="http://schemas.microsoft.com/office/powerpoint/2010/main" id="1" dur="indefinite" restart="never" nodeType="tmRoot"/>
+      </p:par>
+    </p:tnLst>
+  </p:timing>
 </p:sld>
 </file>
 
@@ -22208,8 +22818,8 @@
         </p:nvSpPr>
         <p:spPr>
           <a:xfrm>
-            <a:off x="431800" y="624362"/>
-            <a:ext cx="3801300" cy="3848700"/>
+            <a:off x="431800" y="957966"/>
+            <a:ext cx="3801300" cy="3515096"/>
           </a:xfrm>
           <a:prstGeom prst="rect">
             <a:avLst/>
@@ -22242,7 +22852,7 @@
               <a:buNone/>
             </a:pPr>
             <a:r>
-              <a:rPr lang="en-US" sz="2800" b="0" i="0" u="none" strike="noStrike" cap="none">
+              <a:rPr lang="en-US" sz="2800" b="0" i="0" u="none" strike="noStrike" cap="none" dirty="0">
                 <a:solidFill>
                   <a:srgbClr val="FFFFFF"/>
                 </a:solidFill>
@@ -22253,7 +22863,7 @@
               </a:rPr>
               <a:t>Forces</a:t>
             </a:r>
-            <a:endParaRPr/>
+            <a:endParaRPr dirty="0"/>
           </a:p>
           <a:p>
             <a:pPr marL="0" marR="0" lvl="0" indent="0" algn="l" rtl="0">
@@ -22273,7 +22883,7 @@
               <a:buNone/>
             </a:pPr>
             <a:r>
-              <a:rPr lang="en-US" sz="2800" b="0" i="0" u="none" strike="noStrike" cap="none">
+              <a:rPr lang="en-US" sz="2800" b="0" i="0" u="none" strike="noStrike" cap="none" dirty="0">
                 <a:solidFill>
                   <a:srgbClr val="FFFFFF"/>
                 </a:solidFill>
@@ -22284,7 +22894,7 @@
               </a:rPr>
               <a:t>Solution</a:t>
             </a:r>
-            <a:endParaRPr/>
+            <a:endParaRPr dirty="0"/>
           </a:p>
           <a:p>
             <a:pPr marL="0" marR="0" lvl="0" indent="0" algn="l" rtl="0">
@@ -22304,7 +22914,7 @@
               <a:buNone/>
             </a:pPr>
             <a:r>
-              <a:rPr lang="en-US" sz="2800" b="0" i="0" u="none" strike="noStrike" cap="none">
+              <a:rPr lang="en-US" sz="2800" b="0" i="0" u="none" strike="noStrike" cap="none" dirty="0" smtClean="0">
                 <a:solidFill>
                   <a:srgbClr val="FFFFFF"/>
                 </a:solidFill>
@@ -22313,9 +22923,9 @@
                 <a:cs typeface="Arial"/>
                 <a:sym typeface="Arial"/>
               </a:rPr>
-              <a:t>Resulting Context</a:t>
+              <a:t>Results</a:t>
             </a:r>
-            <a:endParaRPr/>
+            <a:endParaRPr dirty="0"/>
           </a:p>
         </p:txBody>
       </p:sp>
@@ -22354,6 +22964,13 @@
   <p:transition xmlns:p14="http://schemas.microsoft.com/office/powerpoint/2010/main">
     <p:fade thruBlk="1"/>
   </p:transition>
+  <p:timing>
+    <p:tnLst>
+      <p:par>
+        <p:cTn xmlns:p14="http://schemas.microsoft.com/office/powerpoint/2010/main" id="1" dur="indefinite" restart="never" nodeType="tmRoot"/>
+      </p:par>
+    </p:tnLst>
+  </p:timing>
 </p:sld>
 </file>
 
@@ -22399,7 +23016,7 @@
           </a:bodyPr>
           <a:lstStyle/>
           <a:p>
-            <a:pPr marL="0" marR="0" lvl="0" indent="0" algn="ctr" rtl="0">
+            <a:pPr marL="0" marR="0" lvl="0" indent="0" rtl="0">
               <a:lnSpc>
                 <a:spcPct val="100000"/>
               </a:lnSpc>
@@ -22416,7 +23033,7 @@
               <a:buNone/>
             </a:pPr>
             <a:r>
-              <a:rPr lang="en-US" sz="3200" b="0" i="0" u="none" strike="noStrike" cap="none">
+              <a:rPr lang="en-US" sz="3200" b="0" i="1" u="none" strike="noStrike" cap="none" dirty="0" smtClean="0">
                 <a:solidFill>
                   <a:schemeClr val="accent1"/>
                 </a:solidFill>
@@ -22425,9 +23042,33 @@
                 <a:cs typeface="Helvetica Neue"/>
                 <a:sym typeface="Helvetica Neue"/>
               </a:rPr>
-              <a:t>“Anyone who has never made a mistake has never tried anything new.”</a:t>
+              <a:t>Anyone </a:t>
             </a:r>
-            <a:endParaRPr/>
+            <a:r>
+              <a:rPr lang="en-US" sz="3200" b="0" i="1" u="none" strike="noStrike" cap="none" dirty="0">
+                <a:solidFill>
+                  <a:schemeClr val="accent1"/>
+                </a:solidFill>
+                <a:latin typeface="Helvetica Neue"/>
+                <a:ea typeface="Helvetica Neue"/>
+                <a:cs typeface="Helvetica Neue"/>
+                <a:sym typeface="Helvetica Neue"/>
+              </a:rPr>
+              <a:t>who has never made a mistake has never tried anything new</a:t>
+            </a:r>
+            <a:r>
+              <a:rPr lang="en-US" sz="3200" b="0" i="1" u="none" strike="noStrike" cap="none" dirty="0" smtClean="0">
+                <a:solidFill>
+                  <a:schemeClr val="accent1"/>
+                </a:solidFill>
+                <a:latin typeface="Helvetica Neue"/>
+                <a:ea typeface="Helvetica Neue"/>
+                <a:cs typeface="Helvetica Neue"/>
+                <a:sym typeface="Helvetica Neue"/>
+              </a:rPr>
+              <a:t>.</a:t>
+            </a:r>
+            <a:endParaRPr i="1" dirty="0"/>
           </a:p>
           <a:p>
             <a:pPr marL="0" marR="0" lvl="0" indent="0" algn="r" rtl="0">
@@ -22446,7 +23087,7 @@
               <a:buFont typeface="Helvetica Neue"/>
               <a:buNone/>
             </a:pPr>
-            <a:endParaRPr sz="3200" b="0" i="0" u="none" strike="noStrike" cap="none">
+            <a:endParaRPr sz="3200" b="0" i="0" u="none" strike="noStrike" cap="none" dirty="0">
               <a:solidFill>
                 <a:schemeClr val="accent1"/>
               </a:solidFill>
@@ -22474,7 +23115,7 @@
               <a:buNone/>
             </a:pPr>
             <a:r>
-              <a:rPr lang="en-US" sz="3200" b="0" i="0" u="none" strike="noStrike" cap="none">
+              <a:rPr lang="en-US" sz="3200" b="0" i="0" u="none" strike="noStrike" cap="none" dirty="0">
                 <a:solidFill>
                   <a:schemeClr val="accent1"/>
                 </a:solidFill>
@@ -22485,7 +23126,7 @@
               </a:rPr>
               <a:t>- Albert Einstein</a:t>
             </a:r>
-            <a:endParaRPr sz="3200" b="0" i="0" u="none" strike="noStrike" cap="none">
+            <a:endParaRPr sz="3200" b="0" i="0" u="none" strike="noStrike" cap="none" dirty="0">
               <a:solidFill>
                 <a:schemeClr val="accent1"/>
               </a:solidFill>
@@ -22505,6 +23146,13 @@
   <p:transition xmlns:p14="http://schemas.microsoft.com/office/powerpoint/2010/main">
     <p:fade thruBlk="1"/>
   </p:transition>
+  <p:timing>
+    <p:tnLst>
+      <p:par>
+        <p:cTn xmlns:p14="http://schemas.microsoft.com/office/powerpoint/2010/main" id="1" dur="indefinite" restart="never" nodeType="tmRoot"/>
+      </p:par>
+    </p:tnLst>
+  </p:timing>
 </p:sld>
 </file>
 
@@ -22570,7 +23218,7 @@
               <a:buFont typeface="Arial"/>
               <a:buNone/>
             </a:pPr>
-            <a:endParaRPr sz="2800" b="0" i="0" u="none" strike="noStrike" cap="none">
+            <a:endParaRPr sz="2800" b="0" i="0" u="none" strike="noStrike" cap="none" dirty="0">
               <a:solidFill>
                 <a:srgbClr val="FFFFFF"/>
               </a:solidFill>
@@ -22598,7 +23246,7 @@
               <a:buNone/>
             </a:pPr>
             <a:r>
-              <a:rPr lang="en-US" sz="2800" b="0" i="0" u="none" strike="noStrike" cap="none">
+              <a:rPr lang="en-US" sz="2800" b="0" i="0" u="none" strike="noStrike" cap="none" dirty="0">
                 <a:solidFill>
                   <a:srgbClr val="FFFFFF"/>
                 </a:solidFill>
@@ -22609,7 +23257,7 @@
               </a:rPr>
               <a:t>Domain Driven Design</a:t>
             </a:r>
-            <a:endParaRPr sz="2800" b="0" i="0" u="none" strike="noStrike" cap="none">
+            <a:endParaRPr sz="2800" b="0" i="0" u="none" strike="noStrike" cap="none" dirty="0">
               <a:solidFill>
                 <a:srgbClr val="FFFFFF"/>
               </a:solidFill>
@@ -22637,7 +23285,23 @@
               <a:buNone/>
             </a:pPr>
             <a:r>
-              <a:rPr lang="en-US" sz="2800" b="0" i="0" u="none" strike="noStrike" cap="none">
+              <a:rPr lang="en-US" sz="2800" dirty="0">
+                <a:solidFill>
+                  <a:srgbClr val="FFFF00"/>
+                </a:solidFill>
+              </a:rPr>
+              <a:t> </a:t>
+            </a:r>
+            <a:r>
+              <a:rPr lang="en-US" sz="2800" dirty="0" smtClean="0">
+                <a:solidFill>
+                  <a:srgbClr val="FFFF00"/>
+                </a:solidFill>
+              </a:rPr>
+              <a:t>  </a:t>
+            </a:r>
+            <a:r>
+              <a:rPr lang="en-US" sz="2800" b="0" i="0" u="none" strike="noStrike" cap="none" dirty="0" smtClean="0">
                 <a:solidFill>
                   <a:srgbClr val="FFFF00"/>
                 </a:solidFill>
@@ -22646,9 +23310,21 @@
                 <a:cs typeface="Arial"/>
                 <a:sym typeface="Arial"/>
               </a:rPr>
-              <a:t>	Cloud Native Design</a:t>
+              <a:t>Cloud </a:t>
             </a:r>
-            <a:endParaRPr/>
+            <a:r>
+              <a:rPr lang="en-US" sz="2800" b="0" i="0" u="none" strike="noStrike" cap="none" dirty="0">
+                <a:solidFill>
+                  <a:srgbClr val="FFFF00"/>
+                </a:solidFill>
+                <a:latin typeface="Arial"/>
+                <a:ea typeface="Arial"/>
+                <a:cs typeface="Arial"/>
+                <a:sym typeface="Arial"/>
+              </a:rPr>
+              <a:t>Native Design</a:t>
+            </a:r>
+            <a:endParaRPr dirty="0"/>
           </a:p>
           <a:p>
             <a:pPr marL="0" marR="0" lvl="0" indent="0" algn="l" rtl="0">
@@ -22668,7 +23344,7 @@
               <a:buNone/>
             </a:pPr>
             <a:r>
-              <a:rPr lang="en-US" sz="2800" b="0" i="0" u="none" strike="noStrike" cap="none">
+              <a:rPr lang="en-US" sz="2800" b="0" i="0" u="none" strike="noStrike" cap="none" dirty="0">
                 <a:solidFill>
                   <a:srgbClr val="FFFFFF"/>
                 </a:solidFill>
@@ -22679,7 +23355,7 @@
               </a:rPr>
               <a:t>		</a:t>
             </a:r>
-            <a:endParaRPr sz="2800" b="0" i="0" u="none" strike="noStrike" cap="none">
+            <a:endParaRPr sz="2800" b="0" i="0" u="none" strike="noStrike" cap="none" dirty="0">
               <a:solidFill>
                 <a:srgbClr val="FFFFFF"/>
               </a:solidFill>
@@ -22726,6 +23402,13 @@
   <p:transition xmlns:p14="http://schemas.microsoft.com/office/powerpoint/2010/main">
     <p:fade thruBlk="1"/>
   </p:transition>
+  <p:timing>
+    <p:tnLst>
+      <p:par>
+        <p:cTn xmlns:p14="http://schemas.microsoft.com/office/powerpoint/2010/main" id="1" dur="indefinite" restart="never" nodeType="tmRoot"/>
+      </p:par>
+    </p:tnLst>
+  </p:timing>
 </p:sld>
 </file>
 
@@ -22859,7 +23542,7 @@
               <a:buChar char="•"/>
             </a:pPr>
             <a:r>
-              <a:rPr lang="en-US" sz="2800" b="0" i="0" u="none" strike="noStrike" cap="none">
+              <a:rPr lang="en-US" sz="2800" b="0" i="0" u="none" strike="noStrike" cap="none" dirty="0">
                 <a:solidFill>
                   <a:srgbClr val="FFFFFF"/>
                 </a:solidFill>
@@ -22870,7 +23553,7 @@
               </a:rPr>
               <a:t>Evaluate components for 12-factor compliance</a:t>
             </a:r>
-            <a:endParaRPr/>
+            <a:endParaRPr dirty="0"/>
           </a:p>
           <a:p>
             <a:pPr marL="457200" marR="0" lvl="0" indent="-457200" algn="l" rtl="0">
@@ -22891,7 +23574,7 @@
               <a:buChar char="•"/>
             </a:pPr>
             <a:r>
-              <a:rPr lang="en-US" sz="2800" b="0" i="0" u="none" strike="noStrike" cap="none">
+              <a:rPr lang="en-US" sz="2800" b="0" i="0" u="none" strike="noStrike" cap="none" dirty="0">
                 <a:solidFill>
                   <a:srgbClr val="FFFFFF"/>
                 </a:solidFill>
@@ -22902,7 +23585,7 @@
               </a:rPr>
               <a:t>Evaluate components and architecture for Cloud Native Design</a:t>
             </a:r>
-            <a:endParaRPr sz="2800" b="0" i="0" u="none" strike="noStrike" cap="none">
+            <a:endParaRPr sz="2800" b="0" i="0" u="none" strike="noStrike" cap="none" dirty="0">
               <a:solidFill>
                 <a:schemeClr val="accent6"/>
               </a:solidFill>
@@ -22929,7 +23612,7 @@
               <a:buFont typeface="Arial"/>
               <a:buNone/>
             </a:pPr>
-            <a:endParaRPr sz="2800" b="0" i="0" u="none" strike="noStrike" cap="none">
+            <a:endParaRPr sz="2800" b="0" i="0" u="none" strike="noStrike" cap="none" dirty="0">
               <a:solidFill>
                 <a:schemeClr val="accent6"/>
               </a:solidFill>
@@ -22949,6 +23632,13 @@
   <p:transition xmlns:p14="http://schemas.microsoft.com/office/powerpoint/2010/main">
     <p:fade thruBlk="1"/>
   </p:transition>
+  <p:timing>
+    <p:tnLst>
+      <p:par>
+        <p:cTn xmlns:p14="http://schemas.microsoft.com/office/powerpoint/2010/main" id="1" dur="indefinite" restart="never" nodeType="tmRoot"/>
+      </p:par>
+    </p:tnLst>
+  </p:timing>
 </p:sld>
 </file>
 
@@ -23256,6 +23946,13 @@
   <p:transition xmlns:p14="http://schemas.microsoft.com/office/powerpoint/2010/main">
     <p:fade thruBlk="1"/>
   </p:transition>
+  <p:timing>
+    <p:tnLst>
+      <p:par>
+        <p:cTn xmlns:p14="http://schemas.microsoft.com/office/powerpoint/2010/main" id="1" dur="indefinite" restart="never" nodeType="tmRoot"/>
+      </p:par>
+    </p:tnLst>
+  </p:timing>
 </p:sld>
 </file>
 
